--- a/Lectures2019/FacialDNA.pptx
+++ b/Lectures2019/FacialDNA.pptx
@@ -5,31 +5,32 @@
     <p:sldMasterId id="2147483648" r:id="rId1"/>
   </p:sldMasterIdLst>
   <p:notesMasterIdLst>
-    <p:notesMasterId r:id="rId24"/>
+    <p:notesMasterId r:id="rId25"/>
   </p:notesMasterIdLst>
   <p:sldIdLst>
-    <p:sldId id="256" r:id="rId2"/>
-    <p:sldId id="257" r:id="rId3"/>
-    <p:sldId id="258" r:id="rId4"/>
-    <p:sldId id="268" r:id="rId5"/>
-    <p:sldId id="275" r:id="rId6"/>
-    <p:sldId id="266" r:id="rId7"/>
-    <p:sldId id="267" r:id="rId8"/>
-    <p:sldId id="271" r:id="rId9"/>
-    <p:sldId id="259" r:id="rId10"/>
-    <p:sldId id="272" r:id="rId11"/>
-    <p:sldId id="264" r:id="rId12"/>
-    <p:sldId id="273" r:id="rId13"/>
-    <p:sldId id="274" r:id="rId14"/>
-    <p:sldId id="269" r:id="rId15"/>
-    <p:sldId id="276" r:id="rId16"/>
-    <p:sldId id="278" r:id="rId17"/>
-    <p:sldId id="277" r:id="rId18"/>
-    <p:sldId id="260" r:id="rId19"/>
-    <p:sldId id="279" r:id="rId20"/>
-    <p:sldId id="280" r:id="rId21"/>
-    <p:sldId id="261" r:id="rId22"/>
-    <p:sldId id="262" r:id="rId23"/>
+    <p:sldId id="281" r:id="rId2"/>
+    <p:sldId id="256" r:id="rId3"/>
+    <p:sldId id="257" r:id="rId4"/>
+    <p:sldId id="258" r:id="rId5"/>
+    <p:sldId id="268" r:id="rId6"/>
+    <p:sldId id="275" r:id="rId7"/>
+    <p:sldId id="266" r:id="rId8"/>
+    <p:sldId id="267" r:id="rId9"/>
+    <p:sldId id="271" r:id="rId10"/>
+    <p:sldId id="259" r:id="rId11"/>
+    <p:sldId id="272" r:id="rId12"/>
+    <p:sldId id="264" r:id="rId13"/>
+    <p:sldId id="273" r:id="rId14"/>
+    <p:sldId id="274" r:id="rId15"/>
+    <p:sldId id="269" r:id="rId16"/>
+    <p:sldId id="276" r:id="rId17"/>
+    <p:sldId id="278" r:id="rId18"/>
+    <p:sldId id="277" r:id="rId19"/>
+    <p:sldId id="260" r:id="rId20"/>
+    <p:sldId id="279" r:id="rId21"/>
+    <p:sldId id="280" r:id="rId22"/>
+    <p:sldId id="261" r:id="rId23"/>
+    <p:sldId id="262" r:id="rId24"/>
   </p:sldIdLst>
   <p:sldSz cx="12192000" cy="6858000"/>
   <p:notesSz cx="6858000" cy="9144000"/>
@@ -623,7 +624,7 @@
           <a:p>
             <a:fld id="{C104406F-640A-4E8D-9577-37FC6559315E}" type="slidenum">
               <a:rPr kumimoji="1" lang="ja-JP" altLang="en-US" smtClean="0"/>
-              <a:t>8</a:t>
+              <a:t>9</a:t>
             </a:fld>
             <a:endParaRPr kumimoji="1" lang="ja-JP" altLang="en-US"/>
           </a:p>
@@ -3802,7 +3803,11 @@
           <a:bodyPr/>
           <a:lstStyle/>
           <a:p>
-            <a:endParaRPr kumimoji="1" lang="ja-JP" altLang="en-US"/>
+            <a:r>
+              <a:rPr kumimoji="1" lang="ja-JP" altLang="en-US" dirty="0" smtClean="0"/>
+              <a:t>遺伝情報による顔貌認識</a:t>
+            </a:r>
+            <a:endParaRPr kumimoji="1" lang="ja-JP" altLang="en-US" dirty="0"/>
           </a:p>
         </p:txBody>
       </p:sp>
@@ -3818,41 +3823,43 @@
         </p:nvSpPr>
         <p:spPr/>
         <p:txBody>
-          <a:bodyPr/>
-          <a:lstStyle/>
-          <a:p>
-            <a:endParaRPr kumimoji="1" lang="ja-JP" altLang="en-US"/>
-          </a:p>
-        </p:txBody>
-      </p:sp>
-      <p:pic>
-        <p:nvPicPr>
-          <p:cNvPr id="4" name="図 3"/>
-          <p:cNvPicPr>
-            <a:picLocks noChangeAspect="1"/>
-          </p:cNvPicPr>
-          <p:nvPr/>
-        </p:nvPicPr>
-        <p:blipFill>
-          <a:blip r:embed="rId2"/>
-          <a:stretch>
-            <a:fillRect/>
-          </a:stretch>
-        </p:blipFill>
-        <p:spPr>
-          <a:xfrm>
-            <a:off x="1176201" y="721895"/>
-            <a:ext cx="9970793" cy="5486400"/>
-          </a:xfrm>
-          <a:prstGeom prst="rect">
-            <a:avLst/>
-          </a:prstGeom>
-        </p:spPr>
-      </p:pic>
+          <a:bodyPr>
+            <a:normAutofit lnSpcReduction="10000"/>
+          </a:bodyPr>
+          <a:lstStyle/>
+          <a:p>
+            <a:r>
+              <a:rPr lang="ja-JP" altLang="en-US" dirty="0" smtClean="0"/>
+              <a:t>法数学勉強会</a:t>
+            </a:r>
+            <a:endParaRPr lang="en-US" altLang="ja-JP" dirty="0" smtClean="0"/>
+          </a:p>
+          <a:p>
+            <a:r>
+              <a:rPr kumimoji="1" lang="en-US" altLang="ja-JP" dirty="0" smtClean="0"/>
+              <a:t>2019/10/19</a:t>
+            </a:r>
+          </a:p>
+          <a:p>
+            <a:r>
+              <a:rPr lang="ja-JP" altLang="en-US" dirty="0" smtClean="0"/>
+              <a:t>統計遺伝学分野</a:t>
+            </a:r>
+            <a:endParaRPr lang="en-US" altLang="ja-JP" dirty="0" smtClean="0"/>
+          </a:p>
+          <a:p>
+            <a:r>
+              <a:rPr kumimoji="1" lang="ja-JP" altLang="en-US" dirty="0" smtClean="0"/>
+              <a:t>山田　亮</a:t>
+            </a:r>
+            <a:endParaRPr kumimoji="1" lang="ja-JP" altLang="en-US" dirty="0"/>
+          </a:p>
+        </p:txBody>
+      </p:sp>
     </p:spTree>
     <p:extLst>
       <p:ext uri="{BB962C8B-B14F-4D97-AF65-F5344CB8AC3E}">
-        <p14:creationId xmlns:p14="http://schemas.microsoft.com/office/powerpoint/2010/main" val="872666931"/>
+        <p14:creationId xmlns:p14="http://schemas.microsoft.com/office/powerpoint/2010/main" val="1781801122"/>
       </p:ext>
     </p:extLst>
   </p:cSld>
@@ -3965,6 +3972,122 @@
           </a:prstGeom>
         </p:spPr>
       </p:pic>
+    </p:spTree>
+    <p:extLst>
+      <p:ext uri="{BB962C8B-B14F-4D97-AF65-F5344CB8AC3E}">
+        <p14:creationId xmlns:p14="http://schemas.microsoft.com/office/powerpoint/2010/main" val="324386758"/>
+      </p:ext>
+    </p:extLst>
+  </p:cSld>
+  <p:clrMapOvr>
+    <a:masterClrMapping/>
+  </p:clrMapOvr>
+</p:sld>
+</file>
+
+<file path=ppt/slides/slide11.xml><?xml version="1.0" encoding="utf-8"?>
+<p:sld xmlns:a="http://schemas.openxmlformats.org/drawingml/2006/main" xmlns:r="http://schemas.openxmlformats.org/officeDocument/2006/relationships" xmlns:p="http://schemas.openxmlformats.org/presentationml/2006/main">
+  <p:cSld>
+    <p:spTree>
+      <p:nvGrpSpPr>
+        <p:cNvPr id="1" name=""/>
+        <p:cNvGrpSpPr/>
+        <p:nvPr/>
+      </p:nvGrpSpPr>
+      <p:grpSpPr>
+        <a:xfrm>
+          <a:off x="0" y="0"/>
+          <a:ext cx="0" cy="0"/>
+          <a:chOff x="0" y="0"/>
+          <a:chExt cx="0" cy="0"/>
+        </a:xfrm>
+      </p:grpSpPr>
+      <p:sp>
+        <p:nvSpPr>
+          <p:cNvPr id="2" name="タイトル 1"/>
+          <p:cNvSpPr>
+            <a:spLocks noGrp="1"/>
+          </p:cNvSpPr>
+          <p:nvPr>
+            <p:ph type="title"/>
+          </p:nvPr>
+        </p:nvSpPr>
+        <p:spPr/>
+        <p:txBody>
+          <a:bodyPr/>
+          <a:lstStyle/>
+          <a:p>
+            <a:endParaRPr kumimoji="1" lang="ja-JP" altLang="en-US"/>
+          </a:p>
+        </p:txBody>
+      </p:sp>
+      <p:sp>
+        <p:nvSpPr>
+          <p:cNvPr id="3" name="コンテンツ プレースホルダー 2"/>
+          <p:cNvSpPr>
+            <a:spLocks noGrp="1"/>
+          </p:cNvSpPr>
+          <p:nvPr>
+            <p:ph idx="1"/>
+          </p:nvPr>
+        </p:nvSpPr>
+        <p:spPr/>
+        <p:txBody>
+          <a:bodyPr/>
+          <a:lstStyle/>
+          <a:p>
+            <a:endParaRPr kumimoji="1" lang="ja-JP" altLang="en-US"/>
+          </a:p>
+        </p:txBody>
+      </p:sp>
+      <p:pic>
+        <p:nvPicPr>
+          <p:cNvPr id="4" name="図 3"/>
+          <p:cNvPicPr>
+            <a:picLocks noChangeAspect="1"/>
+          </p:cNvPicPr>
+          <p:nvPr/>
+        </p:nvPicPr>
+        <p:blipFill>
+          <a:blip r:embed="rId2"/>
+          <a:stretch>
+            <a:fillRect/>
+          </a:stretch>
+        </p:blipFill>
+        <p:spPr>
+          <a:xfrm>
+            <a:off x="234380" y="0"/>
+            <a:ext cx="11396146" cy="6821953"/>
+          </a:xfrm>
+          <a:prstGeom prst="rect">
+            <a:avLst/>
+          </a:prstGeom>
+        </p:spPr>
+      </p:pic>
+      <p:pic>
+        <p:nvPicPr>
+          <p:cNvPr id="5" name="図 4"/>
+          <p:cNvPicPr>
+            <a:picLocks noChangeAspect="1"/>
+          </p:cNvPicPr>
+          <p:nvPr/>
+        </p:nvPicPr>
+        <p:blipFill>
+          <a:blip r:embed="rId3"/>
+          <a:stretch>
+            <a:fillRect/>
+          </a:stretch>
+        </p:blipFill>
+        <p:spPr>
+          <a:xfrm>
+            <a:off x="1357312" y="6858000"/>
+            <a:ext cx="9477375" cy="2190750"/>
+          </a:xfrm>
+          <a:prstGeom prst="rect">
+            <a:avLst/>
+          </a:prstGeom>
+        </p:spPr>
+      </p:pic>
       <p:sp>
         <p:nvSpPr>
           <p:cNvPr id="6" name="角丸四角形 5"/>
@@ -4041,7 +4164,7 @@
 </p:sld>
 </file>
 
-<file path=ppt/slides/slide11.xml><?xml version="1.0" encoding="utf-8"?>
+<file path=ppt/slides/slide12.xml><?xml version="1.0" encoding="utf-8"?>
 <p:sld xmlns:a="http://schemas.openxmlformats.org/drawingml/2006/main" xmlns:r="http://schemas.openxmlformats.org/officeDocument/2006/relationships" xmlns:p="http://schemas.openxmlformats.org/presentationml/2006/main">
   <p:cSld>
     <p:spTree>
@@ -4247,7 +4370,7 @@
 </p:sld>
 </file>
 
-<file path=ppt/slides/slide12.xml><?xml version="1.0" encoding="utf-8"?>
+<file path=ppt/slides/slide13.xml><?xml version="1.0" encoding="utf-8"?>
 <p:sld xmlns:a="http://schemas.openxmlformats.org/drawingml/2006/main" xmlns:r="http://schemas.openxmlformats.org/officeDocument/2006/relationships" xmlns:p="http://schemas.openxmlformats.org/presentationml/2006/main">
   <p:cSld>
     <p:spTree>
@@ -4469,7 +4592,7 @@
 </p:sld>
 </file>
 
-<file path=ppt/slides/slide13.xml><?xml version="1.0" encoding="utf-8"?>
+<file path=ppt/slides/slide14.xml><?xml version="1.0" encoding="utf-8"?>
 <p:sld xmlns:a="http://schemas.openxmlformats.org/drawingml/2006/main" xmlns:r="http://schemas.openxmlformats.org/officeDocument/2006/relationships" xmlns:p="http://schemas.openxmlformats.org/presentationml/2006/main">
   <p:cSld>
     <p:spTree>
@@ -4655,7 +4778,7 @@
 </p:sld>
 </file>
 
-<file path=ppt/slides/slide14.xml><?xml version="1.0" encoding="utf-8"?>
+<file path=ppt/slides/slide15.xml><?xml version="1.0" encoding="utf-8"?>
 <p:sld xmlns:a="http://schemas.openxmlformats.org/drawingml/2006/main" xmlns:r="http://schemas.openxmlformats.org/officeDocument/2006/relationships" xmlns:p="http://schemas.openxmlformats.org/presentationml/2006/main">
   <p:cSld>
     <p:spTree>
@@ -4793,7 +4916,7 @@
 </p:sld>
 </file>
 
-<file path=ppt/slides/slide15.xml><?xml version="1.0" encoding="utf-8"?>
+<file path=ppt/slides/slide16.xml><?xml version="1.0" encoding="utf-8"?>
 <p:sld xmlns:a="http://schemas.openxmlformats.org/drawingml/2006/main" xmlns:r="http://schemas.openxmlformats.org/officeDocument/2006/relationships" xmlns:p="http://schemas.openxmlformats.org/presentationml/2006/main">
   <p:cSld>
     <p:spTree>
@@ -5167,7 +5290,7 @@
 </p:sld>
 </file>
 
-<file path=ppt/slides/slide16.xml><?xml version="1.0" encoding="utf-8"?>
+<file path=ppt/slides/slide17.xml><?xml version="1.0" encoding="utf-8"?>
 <p:sld xmlns:a="http://schemas.openxmlformats.org/drawingml/2006/main" xmlns:r="http://schemas.openxmlformats.org/officeDocument/2006/relationships" xmlns:p="http://schemas.openxmlformats.org/presentationml/2006/main">
   <p:cSld>
     <p:spTree>
@@ -5259,7 +5382,7 @@
 </p:sld>
 </file>
 
-<file path=ppt/slides/slide17.xml><?xml version="1.0" encoding="utf-8"?>
+<file path=ppt/slides/slide18.xml><?xml version="1.0" encoding="utf-8"?>
 <p:sld xmlns:a="http://schemas.openxmlformats.org/drawingml/2006/main" xmlns:r="http://schemas.openxmlformats.org/officeDocument/2006/relationships" xmlns:p="http://schemas.openxmlformats.org/presentationml/2006/main">
   <p:cSld>
     <p:spTree>
@@ -5375,7 +5498,7 @@
 </p:sld>
 </file>
 
-<file path=ppt/slides/slide18.xml><?xml version="1.0" encoding="utf-8"?>
+<file path=ppt/slides/slide19.xml><?xml version="1.0" encoding="utf-8"?>
 <p:sld xmlns:a="http://schemas.openxmlformats.org/drawingml/2006/main" xmlns:r="http://schemas.openxmlformats.org/officeDocument/2006/relationships" xmlns:p="http://schemas.openxmlformats.org/presentationml/2006/main">
   <p:cSld>
     <p:spTree>
@@ -5666,99 +5789,6 @@
 </p:sld>
 </file>
 
-<file path=ppt/slides/slide19.xml><?xml version="1.0" encoding="utf-8"?>
-<p:sld xmlns:a="http://schemas.openxmlformats.org/drawingml/2006/main" xmlns:r="http://schemas.openxmlformats.org/officeDocument/2006/relationships" xmlns:p="http://schemas.openxmlformats.org/presentationml/2006/main">
-  <p:cSld>
-    <p:spTree>
-      <p:nvGrpSpPr>
-        <p:cNvPr id="1" name=""/>
-        <p:cNvGrpSpPr/>
-        <p:nvPr/>
-      </p:nvGrpSpPr>
-      <p:grpSpPr>
-        <a:xfrm>
-          <a:off x="0" y="0"/>
-          <a:ext cx="0" cy="0"/>
-          <a:chOff x="0" y="0"/>
-          <a:chExt cx="0" cy="0"/>
-        </a:xfrm>
-      </p:grpSpPr>
-      <p:sp>
-        <p:nvSpPr>
-          <p:cNvPr id="2" name="タイトル 1"/>
-          <p:cNvSpPr>
-            <a:spLocks noGrp="1"/>
-          </p:cNvSpPr>
-          <p:nvPr>
-            <p:ph type="title"/>
-          </p:nvPr>
-        </p:nvSpPr>
-        <p:spPr/>
-        <p:txBody>
-          <a:bodyPr/>
-          <a:lstStyle/>
-          <a:p>
-            <a:r>
-              <a:rPr kumimoji="1" lang="ja-JP" altLang="en-US" dirty="0" smtClean="0"/>
-              <a:t>まとめ</a:t>
-            </a:r>
-            <a:endParaRPr kumimoji="1" lang="ja-JP" altLang="en-US" dirty="0"/>
-          </a:p>
-        </p:txBody>
-      </p:sp>
-      <p:sp>
-        <p:nvSpPr>
-          <p:cNvPr id="3" name="コンテンツ プレースホルダー 2"/>
-          <p:cNvSpPr>
-            <a:spLocks noGrp="1"/>
-          </p:cNvSpPr>
-          <p:nvPr>
-            <p:ph idx="1"/>
-          </p:nvPr>
-        </p:nvSpPr>
-        <p:spPr/>
-        <p:txBody>
-          <a:bodyPr/>
-          <a:lstStyle/>
-          <a:p>
-            <a:r>
-              <a:rPr kumimoji="1" lang="ja-JP" altLang="en-US" dirty="0" smtClean="0"/>
-              <a:t>顔貌を決める遺伝子・遺伝子多型がある</a:t>
-            </a:r>
-            <a:endParaRPr kumimoji="1" lang="en-US" altLang="ja-JP" dirty="0" smtClean="0"/>
-          </a:p>
-          <a:p>
-            <a:r>
-              <a:rPr lang="ja-JP" altLang="en-US" dirty="0" smtClean="0"/>
-              <a:t>遺伝情報から民族性も抽出できる。多民族集団の場合は、その民族性も顔貌判別情報として使える</a:t>
-            </a:r>
-            <a:endParaRPr lang="en-US" altLang="ja-JP" dirty="0" smtClean="0"/>
-          </a:p>
-          <a:p>
-            <a:r>
-              <a:rPr lang="ja-JP" altLang="en-US" dirty="0" smtClean="0"/>
-              <a:t>感度・特異度が、まあまあ、というレベル（個人の特定、というのは、超高感度・超高特異度だが）</a:t>
-            </a:r>
-            <a:endParaRPr lang="en-US" altLang="ja-JP" dirty="0" smtClean="0"/>
-          </a:p>
-          <a:p>
-            <a:endParaRPr kumimoji="1" lang="ja-JP" altLang="en-US" dirty="0"/>
-          </a:p>
-        </p:txBody>
-      </p:sp>
-    </p:spTree>
-    <p:extLst>
-      <p:ext uri="{BB962C8B-B14F-4D97-AF65-F5344CB8AC3E}">
-        <p14:creationId xmlns:p14="http://schemas.microsoft.com/office/powerpoint/2010/main" val="1181304137"/>
-      </p:ext>
-    </p:extLst>
-  </p:cSld>
-  <p:clrMapOvr>
-    <a:masterClrMapping/>
-  </p:clrMapOvr>
-</p:sld>
-</file>
-
 <file path=ppt/slides/slide2.xml><?xml version="1.0" encoding="utf-8"?>
 <p:sld xmlns:a="http://schemas.openxmlformats.org/drawingml/2006/main" xmlns:r="http://schemas.openxmlformats.org/officeDocument/2006/relationships" xmlns:p="http://schemas.openxmlformats.org/presentationml/2006/main">
   <p:cSld>
@@ -5778,98 +5808,39 @@
       </p:grpSpPr>
       <p:sp>
         <p:nvSpPr>
-          <p:cNvPr id="3" name="コンテンツ プレースホルダー 2"/>
-          <p:cNvSpPr>
-            <a:spLocks noGrp="1"/>
-          </p:cNvSpPr>
-          <p:nvPr>
-            <p:ph idx="1"/>
-          </p:nvPr>
-        </p:nvSpPr>
-        <p:spPr>
-          <a:xfrm>
-            <a:off x="7074568" y="224589"/>
-            <a:ext cx="4279232" cy="5952374"/>
-          </a:xfrm>
-        </p:spPr>
+          <p:cNvPr id="2" name="タイトル 1"/>
+          <p:cNvSpPr>
+            <a:spLocks noGrp="1"/>
+          </p:cNvSpPr>
+          <p:nvPr>
+            <p:ph type="ctrTitle"/>
+          </p:nvPr>
+        </p:nvSpPr>
+        <p:spPr/>
         <p:txBody>
           <a:bodyPr/>
           <a:lstStyle/>
           <a:p>
-            <a:r>
-              <a:rPr kumimoji="1" lang="en-US" altLang="ja-JP" dirty="0" smtClean="0"/>
-              <a:t>DNA</a:t>
-            </a:r>
-            <a:r>
-              <a:rPr kumimoji="1" lang="ja-JP" altLang="en-US" dirty="0" smtClean="0"/>
-              <a:t>情報から、予想顔貌を描き、それに似た人を探す、という手もあるが、ちょっと難しい</a:t>
-            </a:r>
-            <a:endParaRPr kumimoji="1" lang="en-US" altLang="ja-JP" dirty="0" smtClean="0"/>
-          </a:p>
-          <a:p>
-            <a:r>
-              <a:rPr lang="ja-JP" altLang="en-US" dirty="0"/>
-              <a:t>多人数</a:t>
-            </a:r>
-            <a:r>
-              <a:rPr lang="ja-JP" altLang="en-US" dirty="0" smtClean="0"/>
-              <a:t>の登録済み顔貌情報と</a:t>
-            </a:r>
-            <a:r>
-              <a:rPr lang="en-US" altLang="ja-JP" dirty="0" smtClean="0"/>
-              <a:t>DNA</a:t>
-            </a:r>
-            <a:r>
-              <a:rPr lang="ja-JP" altLang="en-US" dirty="0" smtClean="0"/>
-              <a:t>情報の関係から、「この</a:t>
-            </a:r>
-            <a:r>
-              <a:rPr lang="en-US" altLang="ja-JP" dirty="0" smtClean="0"/>
-              <a:t>DNA</a:t>
-            </a:r>
-            <a:r>
-              <a:rPr lang="ja-JP" altLang="en-US" dirty="0" smtClean="0"/>
-              <a:t>からこの顔貌は</a:t>
-            </a:r>
-            <a:r>
-              <a:rPr lang="en-US" altLang="ja-JP" dirty="0" smtClean="0"/>
-              <a:t>『</a:t>
-            </a:r>
-            <a:r>
-              <a:rPr lang="ja-JP" altLang="en-US" dirty="0" smtClean="0"/>
-              <a:t>アリ</a:t>
-            </a:r>
-            <a:r>
-              <a:rPr lang="en-US" altLang="ja-JP" dirty="0" smtClean="0"/>
-              <a:t>』</a:t>
-            </a:r>
-            <a:r>
-              <a:rPr lang="ja-JP" altLang="en-US" dirty="0" smtClean="0"/>
-              <a:t>か</a:t>
-            </a:r>
-            <a:r>
-              <a:rPr lang="en-US" altLang="ja-JP" dirty="0" smtClean="0"/>
-              <a:t>『</a:t>
-            </a:r>
-            <a:r>
-              <a:rPr lang="ja-JP" altLang="en-US" dirty="0" smtClean="0"/>
-              <a:t>ナシ</a:t>
-            </a:r>
-            <a:r>
-              <a:rPr lang="en-US" altLang="ja-JP" dirty="0" smtClean="0"/>
-              <a:t>』</a:t>
-            </a:r>
-            <a:r>
-              <a:rPr lang="ja-JP" altLang="en-US" dirty="0" smtClean="0"/>
-              <a:t>か」の判定ができると、一歩前進だ</a:t>
-            </a:r>
-            <a:endParaRPr kumimoji="1" lang="en-US" altLang="ja-JP" dirty="0" smtClean="0"/>
-          </a:p>
-          <a:p>
-            <a:endParaRPr lang="en-US" altLang="ja-JP" dirty="0"/>
-          </a:p>
-          <a:p>
-            <a:endParaRPr kumimoji="1" lang="ja-JP" altLang="en-US" dirty="0"/>
+            <a:endParaRPr kumimoji="1" lang="ja-JP" altLang="en-US"/>
+          </a:p>
+        </p:txBody>
+      </p:sp>
+      <p:sp>
+        <p:nvSpPr>
+          <p:cNvPr id="3" name="サブタイトル 2"/>
+          <p:cNvSpPr>
+            <a:spLocks noGrp="1"/>
+          </p:cNvSpPr>
+          <p:nvPr>
+            <p:ph type="subTitle" idx="1"/>
+          </p:nvPr>
+        </p:nvSpPr>
+        <p:spPr/>
+        <p:txBody>
+          <a:bodyPr/>
+          <a:lstStyle/>
+          <a:p>
+            <a:endParaRPr kumimoji="1" lang="ja-JP" altLang="en-US"/>
           </a:p>
         </p:txBody>
       </p:sp>
@@ -5889,8 +5860,8 @@
         </p:blipFill>
         <p:spPr>
           <a:xfrm>
-            <a:off x="0" y="-51886"/>
-            <a:ext cx="6898614" cy="6909886"/>
+            <a:off x="1176201" y="721895"/>
+            <a:ext cx="9970793" cy="5486400"/>
           </a:xfrm>
           <a:prstGeom prst="rect">
             <a:avLst/>
@@ -5900,7 +5871,7 @@
     </p:spTree>
     <p:extLst>
       <p:ext uri="{BB962C8B-B14F-4D97-AF65-F5344CB8AC3E}">
-        <p14:creationId xmlns:p14="http://schemas.microsoft.com/office/powerpoint/2010/main" val="506808707"/>
+        <p14:creationId xmlns:p14="http://schemas.microsoft.com/office/powerpoint/2010/main" val="872666931"/>
       </p:ext>
     </p:extLst>
   </p:cSld>
@@ -5943,6 +5914,99 @@
           <a:lstStyle/>
           <a:p>
             <a:r>
+              <a:rPr kumimoji="1" lang="ja-JP" altLang="en-US" dirty="0" smtClean="0"/>
+              <a:t>まとめ</a:t>
+            </a:r>
+            <a:endParaRPr kumimoji="1" lang="ja-JP" altLang="en-US" dirty="0"/>
+          </a:p>
+        </p:txBody>
+      </p:sp>
+      <p:sp>
+        <p:nvSpPr>
+          <p:cNvPr id="3" name="コンテンツ プレースホルダー 2"/>
+          <p:cNvSpPr>
+            <a:spLocks noGrp="1"/>
+          </p:cNvSpPr>
+          <p:nvPr>
+            <p:ph idx="1"/>
+          </p:nvPr>
+        </p:nvSpPr>
+        <p:spPr/>
+        <p:txBody>
+          <a:bodyPr/>
+          <a:lstStyle/>
+          <a:p>
+            <a:r>
+              <a:rPr kumimoji="1" lang="ja-JP" altLang="en-US" dirty="0" smtClean="0"/>
+              <a:t>顔貌を決める遺伝子・遺伝子多型がある</a:t>
+            </a:r>
+            <a:endParaRPr kumimoji="1" lang="en-US" altLang="ja-JP" dirty="0" smtClean="0"/>
+          </a:p>
+          <a:p>
+            <a:r>
+              <a:rPr lang="ja-JP" altLang="en-US" dirty="0" smtClean="0"/>
+              <a:t>遺伝情報から民族性も抽出できる。多民族集団の場合は、その民族性も顔貌判別情報として使える</a:t>
+            </a:r>
+            <a:endParaRPr lang="en-US" altLang="ja-JP" dirty="0" smtClean="0"/>
+          </a:p>
+          <a:p>
+            <a:r>
+              <a:rPr lang="ja-JP" altLang="en-US" dirty="0" smtClean="0"/>
+              <a:t>感度・特異度が、まあまあ、というレベル（個人の特定、というのは、超高感度・超高特異度だが）</a:t>
+            </a:r>
+            <a:endParaRPr lang="en-US" altLang="ja-JP" dirty="0" smtClean="0"/>
+          </a:p>
+          <a:p>
+            <a:endParaRPr kumimoji="1" lang="ja-JP" altLang="en-US" dirty="0"/>
+          </a:p>
+        </p:txBody>
+      </p:sp>
+    </p:spTree>
+    <p:extLst>
+      <p:ext uri="{BB962C8B-B14F-4D97-AF65-F5344CB8AC3E}">
+        <p14:creationId xmlns:p14="http://schemas.microsoft.com/office/powerpoint/2010/main" val="1181304137"/>
+      </p:ext>
+    </p:extLst>
+  </p:cSld>
+  <p:clrMapOvr>
+    <a:masterClrMapping/>
+  </p:clrMapOvr>
+</p:sld>
+</file>
+
+<file path=ppt/slides/slide21.xml><?xml version="1.0" encoding="utf-8"?>
+<p:sld xmlns:a="http://schemas.openxmlformats.org/drawingml/2006/main" xmlns:r="http://schemas.openxmlformats.org/officeDocument/2006/relationships" xmlns:p="http://schemas.openxmlformats.org/presentationml/2006/main">
+  <p:cSld>
+    <p:spTree>
+      <p:nvGrpSpPr>
+        <p:cNvPr id="1" name=""/>
+        <p:cNvGrpSpPr/>
+        <p:nvPr/>
+      </p:nvGrpSpPr>
+      <p:grpSpPr>
+        <a:xfrm>
+          <a:off x="0" y="0"/>
+          <a:ext cx="0" cy="0"/>
+          <a:chOff x="0" y="0"/>
+          <a:chExt cx="0" cy="0"/>
+        </a:xfrm>
+      </p:grpSpPr>
+      <p:sp>
+        <p:nvSpPr>
+          <p:cNvPr id="2" name="タイトル 1"/>
+          <p:cNvSpPr>
+            <a:spLocks noGrp="1"/>
+          </p:cNvSpPr>
+          <p:nvPr>
+            <p:ph type="title"/>
+          </p:nvPr>
+        </p:nvSpPr>
+        <p:spPr/>
+        <p:txBody>
+          <a:bodyPr/>
+          <a:lstStyle/>
+          <a:p>
+            <a:r>
               <a:rPr kumimoji="1" lang="ja-JP" altLang="en-US" smtClean="0"/>
               <a:t>補助</a:t>
             </a:r>
@@ -5982,7 +6046,7 @@
 </p:sld>
 </file>
 
-<file path=ppt/slides/slide21.xml><?xml version="1.0" encoding="utf-8"?>
+<file path=ppt/slides/slide22.xml><?xml version="1.0" encoding="utf-8"?>
 <p:sld xmlns:a="http://schemas.openxmlformats.org/drawingml/2006/main" xmlns:r="http://schemas.openxmlformats.org/officeDocument/2006/relationships" xmlns:p="http://schemas.openxmlformats.org/presentationml/2006/main">
   <p:cSld>
     <p:spTree>
@@ -6082,7 +6146,7 @@
 </p:sld>
 </file>
 
-<file path=ppt/slides/slide22.xml><?xml version="1.0" encoding="utf-8"?>
+<file path=ppt/slides/slide23.xml><?xml version="1.0" encoding="utf-8"?>
 <p:sld xmlns:a="http://schemas.openxmlformats.org/drawingml/2006/main" xmlns:r="http://schemas.openxmlformats.org/officeDocument/2006/relationships" xmlns:p="http://schemas.openxmlformats.org/presentationml/2006/main">
   <p:cSld>
     <p:spTree>
@@ -6179,6 +6243,157 @@
 </file>
 
 <file path=ppt/slides/slide3.xml><?xml version="1.0" encoding="utf-8"?>
+<p:sld xmlns:a="http://schemas.openxmlformats.org/drawingml/2006/main" xmlns:r="http://schemas.openxmlformats.org/officeDocument/2006/relationships" xmlns:p="http://schemas.openxmlformats.org/presentationml/2006/main">
+  <p:cSld>
+    <p:spTree>
+      <p:nvGrpSpPr>
+        <p:cNvPr id="1" name=""/>
+        <p:cNvGrpSpPr/>
+        <p:nvPr/>
+      </p:nvGrpSpPr>
+      <p:grpSpPr>
+        <a:xfrm>
+          <a:off x="0" y="0"/>
+          <a:ext cx="0" cy="0"/>
+          <a:chOff x="0" y="0"/>
+          <a:chExt cx="0" cy="0"/>
+        </a:xfrm>
+      </p:grpSpPr>
+      <p:sp>
+        <p:nvSpPr>
+          <p:cNvPr id="3" name="コンテンツ プレースホルダー 2"/>
+          <p:cNvSpPr>
+            <a:spLocks noGrp="1"/>
+          </p:cNvSpPr>
+          <p:nvPr>
+            <p:ph idx="1"/>
+          </p:nvPr>
+        </p:nvSpPr>
+        <p:spPr>
+          <a:xfrm>
+            <a:off x="7074568" y="224589"/>
+            <a:ext cx="4279232" cy="5952374"/>
+          </a:xfrm>
+        </p:spPr>
+        <p:txBody>
+          <a:bodyPr/>
+          <a:lstStyle/>
+          <a:p>
+            <a:r>
+              <a:rPr kumimoji="1" lang="en-US" altLang="ja-JP" dirty="0" smtClean="0"/>
+              <a:t>DNA</a:t>
+            </a:r>
+            <a:r>
+              <a:rPr kumimoji="1" lang="ja-JP" altLang="en-US" dirty="0" smtClean="0"/>
+              <a:t>情報から、予想顔貌を描き、それに似た人を探す、という手もあるが、ちょっと難しい</a:t>
+            </a:r>
+            <a:endParaRPr kumimoji="1" lang="en-US" altLang="ja-JP" dirty="0" smtClean="0"/>
+          </a:p>
+          <a:p>
+            <a:r>
+              <a:rPr lang="ja-JP" altLang="en-US" dirty="0"/>
+              <a:t>多人数</a:t>
+            </a:r>
+            <a:r>
+              <a:rPr lang="ja-JP" altLang="en-US" dirty="0" smtClean="0"/>
+              <a:t>の登録済み顔貌情報と</a:t>
+            </a:r>
+            <a:r>
+              <a:rPr lang="en-US" altLang="ja-JP" dirty="0" smtClean="0"/>
+              <a:t>DNA</a:t>
+            </a:r>
+            <a:r>
+              <a:rPr lang="ja-JP" altLang="en-US" dirty="0" smtClean="0"/>
+              <a:t>情報の関係から、「この</a:t>
+            </a:r>
+            <a:r>
+              <a:rPr lang="en-US" altLang="ja-JP" dirty="0" smtClean="0"/>
+              <a:t>DNA</a:t>
+            </a:r>
+            <a:r>
+              <a:rPr lang="ja-JP" altLang="en-US" dirty="0" smtClean="0"/>
+              <a:t>からこの顔貌は</a:t>
+            </a:r>
+            <a:r>
+              <a:rPr lang="en-US" altLang="ja-JP" dirty="0" smtClean="0"/>
+              <a:t>『</a:t>
+            </a:r>
+            <a:r>
+              <a:rPr lang="ja-JP" altLang="en-US" dirty="0" smtClean="0"/>
+              <a:t>アリ</a:t>
+            </a:r>
+            <a:r>
+              <a:rPr lang="en-US" altLang="ja-JP" dirty="0" smtClean="0"/>
+              <a:t>』</a:t>
+            </a:r>
+            <a:r>
+              <a:rPr lang="ja-JP" altLang="en-US" dirty="0" smtClean="0"/>
+              <a:t>か</a:t>
+            </a:r>
+            <a:r>
+              <a:rPr lang="en-US" altLang="ja-JP" dirty="0" smtClean="0"/>
+              <a:t>『</a:t>
+            </a:r>
+            <a:r>
+              <a:rPr lang="ja-JP" altLang="en-US" dirty="0" smtClean="0"/>
+              <a:t>ナシ</a:t>
+            </a:r>
+            <a:r>
+              <a:rPr lang="en-US" altLang="ja-JP" dirty="0" smtClean="0"/>
+              <a:t>』</a:t>
+            </a:r>
+            <a:r>
+              <a:rPr lang="ja-JP" altLang="en-US" dirty="0" smtClean="0"/>
+              <a:t>か」の判定ができると、一歩前進だ</a:t>
+            </a:r>
+            <a:endParaRPr kumimoji="1" lang="en-US" altLang="ja-JP" dirty="0" smtClean="0"/>
+          </a:p>
+          <a:p>
+            <a:endParaRPr lang="en-US" altLang="ja-JP" dirty="0"/>
+          </a:p>
+          <a:p>
+            <a:endParaRPr kumimoji="1" lang="ja-JP" altLang="en-US" dirty="0"/>
+          </a:p>
+        </p:txBody>
+      </p:sp>
+      <p:pic>
+        <p:nvPicPr>
+          <p:cNvPr id="4" name="図 3"/>
+          <p:cNvPicPr>
+            <a:picLocks noChangeAspect="1"/>
+          </p:cNvPicPr>
+          <p:nvPr/>
+        </p:nvPicPr>
+        <p:blipFill>
+          <a:blip r:embed="rId2"/>
+          <a:stretch>
+            <a:fillRect/>
+          </a:stretch>
+        </p:blipFill>
+        <p:spPr>
+          <a:xfrm>
+            <a:off x="0" y="-51886"/>
+            <a:ext cx="6898614" cy="6909886"/>
+          </a:xfrm>
+          <a:prstGeom prst="rect">
+            <a:avLst/>
+          </a:prstGeom>
+        </p:spPr>
+      </p:pic>
+    </p:spTree>
+    <p:extLst>
+      <p:ext uri="{BB962C8B-B14F-4D97-AF65-F5344CB8AC3E}">
+        <p14:creationId xmlns:p14="http://schemas.microsoft.com/office/powerpoint/2010/main" val="506808707"/>
+      </p:ext>
+    </p:extLst>
+  </p:cSld>
+  <p:clrMapOvr>
+    <a:masterClrMapping/>
+  </p:clrMapOvr>
+</p:sld>
+</file>
+
+<file path=ppt/slides/slide4.xml><?xml version="1.0" encoding="utf-8"?>
 <p:sld xmlns:a="http://schemas.openxmlformats.org/drawingml/2006/main" xmlns:r="http://schemas.openxmlformats.org/officeDocument/2006/relationships" xmlns:p="http://schemas.openxmlformats.org/presentationml/2006/main">
   <p:cSld>
     <p:spTree>
@@ -6294,7 +6509,7 @@
 </p:sld>
 </file>
 
-<file path=ppt/slides/slide4.xml><?xml version="1.0" encoding="utf-8"?>
+<file path=ppt/slides/slide5.xml><?xml version="1.0" encoding="utf-8"?>
 <p:sld xmlns:a="http://schemas.openxmlformats.org/drawingml/2006/main" xmlns:r="http://schemas.openxmlformats.org/officeDocument/2006/relationships" xmlns:p="http://schemas.openxmlformats.org/presentationml/2006/main">
   <p:cSld>
     <p:spTree>
@@ -6700,7 +6915,6 @@
               <a:rPr lang="en-US" altLang="ja-JP" dirty="0" smtClean="0"/>
               <a:t>SNP</a:t>
             </a:r>
-            <a:endParaRPr lang="en-US" altLang="ja-JP" dirty="0" smtClean="0"/>
           </a:p>
         </p:txBody>
       </p:sp>
@@ -6717,7 +6931,7 @@
 </p:sld>
 </file>
 
-<file path=ppt/slides/slide5.xml><?xml version="1.0" encoding="utf-8"?>
+<file path=ppt/slides/slide6.xml><?xml version="1.0" encoding="utf-8"?>
 <p:sld xmlns:a="http://schemas.openxmlformats.org/drawingml/2006/main" xmlns:r="http://schemas.openxmlformats.org/officeDocument/2006/relationships" xmlns:p="http://schemas.openxmlformats.org/presentationml/2006/main">
   <p:cSld>
     <p:spTree>
@@ -6809,7 +7023,7 @@
 </p:sld>
 </file>
 
-<file path=ppt/slides/slide6.xml><?xml version="1.0" encoding="utf-8"?>
+<file path=ppt/slides/slide7.xml><?xml version="1.0" encoding="utf-8"?>
 <p:sld xmlns:a="http://schemas.openxmlformats.org/drawingml/2006/main" xmlns:r="http://schemas.openxmlformats.org/officeDocument/2006/relationships" xmlns:p="http://schemas.openxmlformats.org/presentationml/2006/main">
   <p:cSld>
     <p:spTree>
@@ -7146,7 +7360,7 @@
 </p:sld>
 </file>
 
-<file path=ppt/slides/slide7.xml><?xml version="1.0" encoding="utf-8"?>
+<file path=ppt/slides/slide8.xml><?xml version="1.0" encoding="utf-8"?>
 <p:sld xmlns:a="http://schemas.openxmlformats.org/drawingml/2006/main" xmlns:r="http://schemas.openxmlformats.org/officeDocument/2006/relationships" xmlns:p="http://schemas.openxmlformats.org/presentationml/2006/main">
   <p:cSld>
     <p:spTree>
@@ -7224,7 +7438,7 @@
 </p:sld>
 </file>
 
-<file path=ppt/slides/slide8.xml><?xml version="1.0" encoding="utf-8"?>
+<file path=ppt/slides/slide9.xml><?xml version="1.0" encoding="utf-8"?>
 <p:sld xmlns:a="http://schemas.openxmlformats.org/drawingml/2006/main" xmlns:r="http://schemas.openxmlformats.org/officeDocument/2006/relationships" xmlns:p="http://schemas.openxmlformats.org/presentationml/2006/main">
   <p:cSld>
     <p:spTree>
@@ -7404,122 +7618,6 @@
     <p:extLst>
       <p:ext uri="{BB962C8B-B14F-4D97-AF65-F5344CB8AC3E}">
         <p14:creationId xmlns:p14="http://schemas.microsoft.com/office/powerpoint/2010/main" val="920638307"/>
-      </p:ext>
-    </p:extLst>
-  </p:cSld>
-  <p:clrMapOvr>
-    <a:masterClrMapping/>
-  </p:clrMapOvr>
-</p:sld>
-</file>
-
-<file path=ppt/slides/slide9.xml><?xml version="1.0" encoding="utf-8"?>
-<p:sld xmlns:a="http://schemas.openxmlformats.org/drawingml/2006/main" xmlns:r="http://schemas.openxmlformats.org/officeDocument/2006/relationships" xmlns:p="http://schemas.openxmlformats.org/presentationml/2006/main">
-  <p:cSld>
-    <p:spTree>
-      <p:nvGrpSpPr>
-        <p:cNvPr id="1" name=""/>
-        <p:cNvGrpSpPr/>
-        <p:nvPr/>
-      </p:nvGrpSpPr>
-      <p:grpSpPr>
-        <a:xfrm>
-          <a:off x="0" y="0"/>
-          <a:ext cx="0" cy="0"/>
-          <a:chOff x="0" y="0"/>
-          <a:chExt cx="0" cy="0"/>
-        </a:xfrm>
-      </p:grpSpPr>
-      <p:sp>
-        <p:nvSpPr>
-          <p:cNvPr id="2" name="タイトル 1"/>
-          <p:cNvSpPr>
-            <a:spLocks noGrp="1"/>
-          </p:cNvSpPr>
-          <p:nvPr>
-            <p:ph type="title"/>
-          </p:nvPr>
-        </p:nvSpPr>
-        <p:spPr/>
-        <p:txBody>
-          <a:bodyPr/>
-          <a:lstStyle/>
-          <a:p>
-            <a:endParaRPr kumimoji="1" lang="ja-JP" altLang="en-US"/>
-          </a:p>
-        </p:txBody>
-      </p:sp>
-      <p:sp>
-        <p:nvSpPr>
-          <p:cNvPr id="3" name="コンテンツ プレースホルダー 2"/>
-          <p:cNvSpPr>
-            <a:spLocks noGrp="1"/>
-          </p:cNvSpPr>
-          <p:nvPr>
-            <p:ph idx="1"/>
-          </p:nvPr>
-        </p:nvSpPr>
-        <p:spPr/>
-        <p:txBody>
-          <a:bodyPr/>
-          <a:lstStyle/>
-          <a:p>
-            <a:endParaRPr kumimoji="1" lang="ja-JP" altLang="en-US"/>
-          </a:p>
-        </p:txBody>
-      </p:sp>
-      <p:pic>
-        <p:nvPicPr>
-          <p:cNvPr id="4" name="図 3"/>
-          <p:cNvPicPr>
-            <a:picLocks noChangeAspect="1"/>
-          </p:cNvPicPr>
-          <p:nvPr/>
-        </p:nvPicPr>
-        <p:blipFill>
-          <a:blip r:embed="rId2"/>
-          <a:stretch>
-            <a:fillRect/>
-          </a:stretch>
-        </p:blipFill>
-        <p:spPr>
-          <a:xfrm>
-            <a:off x="234380" y="0"/>
-            <a:ext cx="11396146" cy="6821953"/>
-          </a:xfrm>
-          <a:prstGeom prst="rect">
-            <a:avLst/>
-          </a:prstGeom>
-        </p:spPr>
-      </p:pic>
-      <p:pic>
-        <p:nvPicPr>
-          <p:cNvPr id="5" name="図 4"/>
-          <p:cNvPicPr>
-            <a:picLocks noChangeAspect="1"/>
-          </p:cNvPicPr>
-          <p:nvPr/>
-        </p:nvPicPr>
-        <p:blipFill>
-          <a:blip r:embed="rId3"/>
-          <a:stretch>
-            <a:fillRect/>
-          </a:stretch>
-        </p:blipFill>
-        <p:spPr>
-          <a:xfrm>
-            <a:off x="1357312" y="6858000"/>
-            <a:ext cx="9477375" cy="2190750"/>
-          </a:xfrm>
-          <a:prstGeom prst="rect">
-            <a:avLst/>
-          </a:prstGeom>
-        </p:spPr>
-      </p:pic>
-    </p:spTree>
-    <p:extLst>
-      <p:ext uri="{BB962C8B-B14F-4D97-AF65-F5344CB8AC3E}">
-        <p14:creationId xmlns:p14="http://schemas.microsoft.com/office/powerpoint/2010/main" val="324386758"/>
       </p:ext>
     </p:extLst>
   </p:cSld>

--- a/Lectures2019/FacialDNA.pptx
+++ b/Lectures2019/FacialDNA.pptx
@@ -231,7 +231,7 @@
           <a:p>
             <a:fld id="{B3BCAC97-D5C3-4659-B806-B060E42DD5AC}" type="datetimeFigureOut">
               <a:rPr kumimoji="1" lang="ja-JP" altLang="en-US" smtClean="0"/>
-              <a:t>2019/8/2</a:t>
+              <a:t>2019/10/11</a:t>
             </a:fld>
             <a:endParaRPr kumimoji="1" lang="ja-JP" altLang="en-US"/>
           </a:p>
@@ -774,7 +774,7 @@
           <a:p>
             <a:fld id="{8DB7C875-189B-413D-8FDA-9A528A117DC6}" type="datetimeFigureOut">
               <a:rPr kumimoji="1" lang="ja-JP" altLang="en-US" smtClean="0"/>
-              <a:t>2019/8/2</a:t>
+              <a:t>2019/10/11</a:t>
             </a:fld>
             <a:endParaRPr kumimoji="1" lang="ja-JP" altLang="en-US"/>
           </a:p>
@@ -976,7 +976,7 @@
           <a:p>
             <a:fld id="{8DB7C875-189B-413D-8FDA-9A528A117DC6}" type="datetimeFigureOut">
               <a:rPr kumimoji="1" lang="ja-JP" altLang="en-US" smtClean="0"/>
-              <a:t>2019/8/2</a:t>
+              <a:t>2019/10/11</a:t>
             </a:fld>
             <a:endParaRPr kumimoji="1" lang="ja-JP" altLang="en-US"/>
           </a:p>
@@ -1188,7 +1188,7 @@
           <a:p>
             <a:fld id="{8DB7C875-189B-413D-8FDA-9A528A117DC6}" type="datetimeFigureOut">
               <a:rPr kumimoji="1" lang="ja-JP" altLang="en-US" smtClean="0"/>
-              <a:t>2019/8/2</a:t>
+              <a:t>2019/10/11</a:t>
             </a:fld>
             <a:endParaRPr kumimoji="1" lang="ja-JP" altLang="en-US"/>
           </a:p>
@@ -1390,7 +1390,7 @@
           <a:p>
             <a:fld id="{8DB7C875-189B-413D-8FDA-9A528A117DC6}" type="datetimeFigureOut">
               <a:rPr kumimoji="1" lang="ja-JP" altLang="en-US" smtClean="0"/>
-              <a:t>2019/8/2</a:t>
+              <a:t>2019/10/11</a:t>
             </a:fld>
             <a:endParaRPr kumimoji="1" lang="ja-JP" altLang="en-US"/>
           </a:p>
@@ -1636,7 +1636,7 @@
           <a:p>
             <a:fld id="{8DB7C875-189B-413D-8FDA-9A528A117DC6}" type="datetimeFigureOut">
               <a:rPr kumimoji="1" lang="ja-JP" altLang="en-US" smtClean="0"/>
-              <a:t>2019/8/2</a:t>
+              <a:t>2019/10/11</a:t>
             </a:fld>
             <a:endParaRPr kumimoji="1" lang="ja-JP" altLang="en-US"/>
           </a:p>
@@ -1932,7 +1932,7 @@
           <a:p>
             <a:fld id="{8DB7C875-189B-413D-8FDA-9A528A117DC6}" type="datetimeFigureOut">
               <a:rPr kumimoji="1" lang="ja-JP" altLang="en-US" smtClean="0"/>
-              <a:t>2019/8/2</a:t>
+              <a:t>2019/10/11</a:t>
             </a:fld>
             <a:endParaRPr kumimoji="1" lang="ja-JP" altLang="en-US"/>
           </a:p>
@@ -2363,7 +2363,7 @@
           <a:p>
             <a:fld id="{8DB7C875-189B-413D-8FDA-9A528A117DC6}" type="datetimeFigureOut">
               <a:rPr kumimoji="1" lang="ja-JP" altLang="en-US" smtClean="0"/>
-              <a:t>2019/8/2</a:t>
+              <a:t>2019/10/11</a:t>
             </a:fld>
             <a:endParaRPr kumimoji="1" lang="ja-JP" altLang="en-US"/>
           </a:p>
@@ -2481,7 +2481,7 @@
           <a:p>
             <a:fld id="{8DB7C875-189B-413D-8FDA-9A528A117DC6}" type="datetimeFigureOut">
               <a:rPr kumimoji="1" lang="ja-JP" altLang="en-US" smtClean="0"/>
-              <a:t>2019/8/2</a:t>
+              <a:t>2019/10/11</a:t>
             </a:fld>
             <a:endParaRPr kumimoji="1" lang="ja-JP" altLang="en-US"/>
           </a:p>
@@ -2576,7 +2576,7 @@
           <a:p>
             <a:fld id="{8DB7C875-189B-413D-8FDA-9A528A117DC6}" type="datetimeFigureOut">
               <a:rPr kumimoji="1" lang="ja-JP" altLang="en-US" smtClean="0"/>
-              <a:t>2019/8/2</a:t>
+              <a:t>2019/10/11</a:t>
             </a:fld>
             <a:endParaRPr kumimoji="1" lang="ja-JP" altLang="en-US"/>
           </a:p>
@@ -2885,7 +2885,7 @@
           <a:p>
             <a:fld id="{8DB7C875-189B-413D-8FDA-9A528A117DC6}" type="datetimeFigureOut">
               <a:rPr kumimoji="1" lang="ja-JP" altLang="en-US" smtClean="0"/>
-              <a:t>2019/8/2</a:t>
+              <a:t>2019/10/11</a:t>
             </a:fld>
             <a:endParaRPr kumimoji="1" lang="ja-JP" altLang="en-US"/>
           </a:p>
@@ -3138,7 +3138,7 @@
           <a:p>
             <a:fld id="{8DB7C875-189B-413D-8FDA-9A528A117DC6}" type="datetimeFigureOut">
               <a:rPr kumimoji="1" lang="ja-JP" altLang="en-US" smtClean="0"/>
-              <a:t>2019/8/2</a:t>
+              <a:t>2019/10/11</a:t>
             </a:fld>
             <a:endParaRPr kumimoji="1" lang="ja-JP" altLang="en-US"/>
           </a:p>
@@ -3383,7 +3383,7 @@
           <a:p>
             <a:fld id="{8DB7C875-189B-413D-8FDA-9A528A117DC6}" type="datetimeFigureOut">
               <a:rPr kumimoji="1" lang="ja-JP" altLang="en-US" smtClean="0"/>
-              <a:t>2019/8/2</a:t>
+              <a:t>2019/10/11</a:t>
             </a:fld>
             <a:endParaRPr kumimoji="1" lang="ja-JP" altLang="en-US"/>
           </a:p>
@@ -6496,6 +6496,184 @@
           </a:prstGeom>
         </p:spPr>
       </p:pic>
+      <p:sp>
+        <p:nvSpPr>
+          <p:cNvPr id="6" name="テキスト ボックス 5"/>
+          <p:cNvSpPr txBox="1"/>
+          <p:nvPr/>
+        </p:nvSpPr>
+        <p:spPr>
+          <a:xfrm>
+            <a:off x="2526631" y="1825625"/>
+            <a:ext cx="1370888" cy="369332"/>
+          </a:xfrm>
+          <a:prstGeom prst="rect">
+            <a:avLst/>
+          </a:prstGeom>
+          <a:noFill/>
+        </p:spPr>
+        <p:txBody>
+          <a:bodyPr wrap="none" rtlCol="0">
+            <a:spAutoFit/>
+          </a:bodyPr>
+          <a:lstStyle/>
+          <a:p>
+            <a:r>
+              <a:rPr kumimoji="1" lang="en-US" altLang="ja-JP" dirty="0" smtClean="0"/>
+              <a:t>DNA</a:t>
+            </a:r>
+            <a:r>
+              <a:rPr kumimoji="1" lang="ja-JP" altLang="en-US" dirty="0" smtClean="0"/>
+              <a:t>鑑定１</a:t>
+            </a:r>
+            <a:endParaRPr kumimoji="1" lang="ja-JP" altLang="en-US" dirty="0"/>
+          </a:p>
+        </p:txBody>
+      </p:sp>
+      <p:sp>
+        <p:nvSpPr>
+          <p:cNvPr id="7" name="テキスト ボックス 6"/>
+          <p:cNvSpPr txBox="1"/>
+          <p:nvPr/>
+        </p:nvSpPr>
+        <p:spPr>
+          <a:xfrm>
+            <a:off x="2526631" y="3454080"/>
+            <a:ext cx="1370888" cy="369332"/>
+          </a:xfrm>
+          <a:prstGeom prst="rect">
+            <a:avLst/>
+          </a:prstGeom>
+          <a:noFill/>
+        </p:spPr>
+        <p:txBody>
+          <a:bodyPr wrap="none" rtlCol="0">
+            <a:spAutoFit/>
+          </a:bodyPr>
+          <a:lstStyle/>
+          <a:p>
+            <a:r>
+              <a:rPr kumimoji="1" lang="en-US" altLang="ja-JP" dirty="0" smtClean="0"/>
+              <a:t>DNA</a:t>
+            </a:r>
+            <a:r>
+              <a:rPr kumimoji="1" lang="ja-JP" altLang="en-US" dirty="0" smtClean="0"/>
+              <a:t>鑑定２</a:t>
+            </a:r>
+            <a:endParaRPr kumimoji="1" lang="ja-JP" altLang="en-US" dirty="0"/>
+          </a:p>
+        </p:txBody>
+      </p:sp>
+      <p:sp>
+        <p:nvSpPr>
+          <p:cNvPr id="8" name="テキスト ボックス 7"/>
+          <p:cNvSpPr txBox="1"/>
+          <p:nvPr/>
+        </p:nvSpPr>
+        <p:spPr>
+          <a:xfrm>
+            <a:off x="216817" y="6513456"/>
+            <a:ext cx="9348287" cy="369332"/>
+          </a:xfrm>
+          <a:prstGeom prst="rect">
+            <a:avLst/>
+          </a:prstGeom>
+          <a:noFill/>
+        </p:spPr>
+        <p:txBody>
+          <a:bodyPr wrap="square" rtlCol="0">
+            <a:spAutoFit/>
+          </a:bodyPr>
+          <a:lstStyle/>
+          <a:p>
+            <a:r>
+              <a:rPr kumimoji="1" lang="en-US" altLang="ja-JP" dirty="0" smtClean="0"/>
+              <a:t>DNA</a:t>
+            </a:r>
+            <a:r>
+              <a:rPr kumimoji="1" lang="ja-JP" altLang="en-US" dirty="0" smtClean="0"/>
+              <a:t>から「犯人の顔はこんな顔です」と</a:t>
+            </a:r>
+            <a:r>
+              <a:rPr kumimoji="1" lang="en-US" altLang="ja-JP" dirty="0" smtClean="0"/>
+              <a:t>Wanted </a:t>
+            </a:r>
+            <a:r>
+              <a:rPr kumimoji="1" lang="ja-JP" altLang="en-US" dirty="0" smtClean="0"/>
+              <a:t>ポスターを作る</a:t>
+            </a:r>
+            <a:r>
+              <a:rPr kumimoji="1" lang="en-US" altLang="ja-JP" dirty="0" smtClean="0"/>
+              <a:t>…</a:t>
+            </a:r>
+            <a:r>
+              <a:rPr kumimoji="1" lang="ja-JP" altLang="en-US" dirty="0" smtClean="0"/>
+              <a:t>ちょっとまだ無理</a:t>
+            </a:r>
+            <a:endParaRPr kumimoji="1" lang="ja-JP" altLang="en-US" dirty="0"/>
+          </a:p>
+        </p:txBody>
+      </p:sp>
+      <p:sp>
+        <p:nvSpPr>
+          <p:cNvPr id="9" name="テキスト ボックス 8"/>
+          <p:cNvSpPr txBox="1"/>
+          <p:nvPr/>
+        </p:nvSpPr>
+        <p:spPr>
+          <a:xfrm>
+            <a:off x="7267324" y="3010986"/>
+            <a:ext cx="3665371" cy="1754326"/>
+          </a:xfrm>
+          <a:prstGeom prst="rect">
+            <a:avLst/>
+          </a:prstGeom>
+          <a:noFill/>
+        </p:spPr>
+        <p:txBody>
+          <a:bodyPr wrap="square" rtlCol="0">
+            <a:spAutoFit/>
+          </a:bodyPr>
+          <a:lstStyle/>
+          <a:p>
+            <a:r>
+              <a:rPr kumimoji="1" lang="ja-JP" altLang="en-US" dirty="0" smtClean="0"/>
+              <a:t>顔貌と</a:t>
+            </a:r>
+            <a:r>
+              <a:rPr kumimoji="1" lang="en-US" altLang="ja-JP" dirty="0" smtClean="0"/>
+              <a:t>DNA</a:t>
+            </a:r>
+            <a:r>
+              <a:rPr kumimoji="1" lang="ja-JP" altLang="en-US" dirty="0" smtClean="0"/>
+              <a:t>とのわかっているデータベースを使って</a:t>
+            </a:r>
+            <a:endParaRPr lang="en-US" altLang="ja-JP" dirty="0"/>
+          </a:p>
+          <a:p>
+            <a:r>
+              <a:rPr kumimoji="1" lang="ja-JP" altLang="en-US" dirty="0" smtClean="0"/>
+              <a:t>知りたい</a:t>
+            </a:r>
+            <a:r>
+              <a:rPr kumimoji="1" lang="en-US" altLang="ja-JP" dirty="0" smtClean="0"/>
+              <a:t>DNA</a:t>
+            </a:r>
+            <a:r>
+              <a:rPr lang="ja-JP" altLang="en-US" dirty="0" smtClean="0"/>
+              <a:t>から生じそうな顔貌をスコア付きで選び出す</a:t>
+            </a:r>
+            <a:endParaRPr lang="en-US" altLang="ja-JP" dirty="0" smtClean="0"/>
+          </a:p>
+          <a:p>
+            <a:r>
+              <a:rPr kumimoji="1" lang="ja-JP" altLang="en-US" dirty="0" smtClean="0"/>
+              <a:t>「こんな顔かも」「あんな顔かも」という情報として提示される</a:t>
+            </a:r>
+            <a:endParaRPr kumimoji="1" lang="ja-JP" altLang="en-US" dirty="0"/>
+          </a:p>
+        </p:txBody>
+      </p:sp>
     </p:spTree>
     <p:extLst>
       <p:ext uri="{BB962C8B-B14F-4D97-AF65-F5344CB8AC3E}">
@@ -7010,6 +7188,220 @@
           </a:prstGeom>
         </p:spPr>
       </p:pic>
+      <p:sp>
+        <p:nvSpPr>
+          <p:cNvPr id="6" name="テキスト ボックス 5"/>
+          <p:cNvSpPr txBox="1"/>
+          <p:nvPr/>
+        </p:nvSpPr>
+        <p:spPr>
+          <a:xfrm>
+            <a:off x="64418" y="112991"/>
+            <a:ext cx="2231107" cy="369332"/>
+          </a:xfrm>
+          <a:prstGeom prst="rect">
+            <a:avLst/>
+          </a:prstGeom>
+          <a:noFill/>
+        </p:spPr>
+        <p:txBody>
+          <a:bodyPr wrap="square" rtlCol="0">
+            <a:spAutoFit/>
+          </a:bodyPr>
+          <a:lstStyle/>
+          <a:p>
+            <a:r>
+              <a:rPr kumimoji="1" lang="en-US" altLang="ja-JP" dirty="0" smtClean="0"/>
+              <a:t>3D</a:t>
+            </a:r>
+            <a:r>
+              <a:rPr kumimoji="1" lang="ja-JP" altLang="en-US" dirty="0" smtClean="0"/>
+              <a:t>顔貌ギャラリー</a:t>
+            </a:r>
+            <a:endParaRPr kumimoji="1" lang="ja-JP" altLang="en-US" dirty="0"/>
+          </a:p>
+        </p:txBody>
+      </p:sp>
+      <p:sp>
+        <p:nvSpPr>
+          <p:cNvPr id="7" name="テキスト ボックス 6"/>
+          <p:cNvSpPr txBox="1"/>
+          <p:nvPr/>
+        </p:nvSpPr>
+        <p:spPr>
+          <a:xfrm>
+            <a:off x="64418" y="1130301"/>
+            <a:ext cx="2426119" cy="646331"/>
+          </a:xfrm>
+          <a:prstGeom prst="rect">
+            <a:avLst/>
+          </a:prstGeom>
+          <a:noFill/>
+        </p:spPr>
+        <p:txBody>
+          <a:bodyPr wrap="square" rtlCol="0">
+            <a:spAutoFit/>
+          </a:bodyPr>
+          <a:lstStyle/>
+          <a:p>
+            <a:r>
+              <a:rPr kumimoji="1" lang="ja-JP" altLang="en-US" dirty="0" smtClean="0"/>
+              <a:t>データ解析できるように特徴量に変える</a:t>
+            </a:r>
+            <a:endParaRPr kumimoji="1" lang="ja-JP" altLang="en-US" dirty="0"/>
+          </a:p>
+        </p:txBody>
+      </p:sp>
+      <p:sp>
+        <p:nvSpPr>
+          <p:cNvPr id="8" name="テキスト ボックス 7"/>
+          <p:cNvSpPr txBox="1"/>
+          <p:nvPr/>
+        </p:nvSpPr>
+        <p:spPr>
+          <a:xfrm>
+            <a:off x="64418" y="2967334"/>
+            <a:ext cx="2510340" cy="923330"/>
+          </a:xfrm>
+          <a:prstGeom prst="rect">
+            <a:avLst/>
+          </a:prstGeom>
+          <a:noFill/>
+        </p:spPr>
+        <p:txBody>
+          <a:bodyPr wrap="square" rtlCol="0">
+            <a:spAutoFit/>
+          </a:bodyPr>
+          <a:lstStyle/>
+          <a:p>
+            <a:r>
+              <a:rPr kumimoji="1" lang="ja-JP" altLang="en-US" dirty="0" smtClean="0"/>
+              <a:t>個々の特徴量に関係する遺伝子多型を見つける</a:t>
+            </a:r>
+            <a:endParaRPr kumimoji="1" lang="ja-JP" altLang="en-US" dirty="0"/>
+          </a:p>
+        </p:txBody>
+      </p:sp>
+      <p:sp>
+        <p:nvSpPr>
+          <p:cNvPr id="9" name="テキスト ボックス 8"/>
+          <p:cNvSpPr txBox="1"/>
+          <p:nvPr/>
+        </p:nvSpPr>
+        <p:spPr>
+          <a:xfrm>
+            <a:off x="64418" y="4248982"/>
+            <a:ext cx="2510340" cy="646331"/>
+          </a:xfrm>
+          <a:prstGeom prst="rect">
+            <a:avLst/>
+          </a:prstGeom>
+          <a:noFill/>
+        </p:spPr>
+        <p:txBody>
+          <a:bodyPr wrap="square" rtlCol="0">
+            <a:spAutoFit/>
+          </a:bodyPr>
+          <a:lstStyle/>
+          <a:p>
+            <a:r>
+              <a:rPr kumimoji="1" lang="ja-JP" altLang="en-US" dirty="0" smtClean="0"/>
+              <a:t>複数の特徴量の統合をして判定モデルを作る</a:t>
+            </a:r>
+            <a:endParaRPr kumimoji="1" lang="ja-JP" altLang="en-US" dirty="0"/>
+          </a:p>
+        </p:txBody>
+      </p:sp>
+      <p:sp>
+        <p:nvSpPr>
+          <p:cNvPr id="10" name="テキスト ボックス 9"/>
+          <p:cNvSpPr txBox="1"/>
+          <p:nvPr/>
+        </p:nvSpPr>
+        <p:spPr>
+          <a:xfrm>
+            <a:off x="64418" y="5539026"/>
+            <a:ext cx="2510340" cy="369332"/>
+          </a:xfrm>
+          <a:prstGeom prst="rect">
+            <a:avLst/>
+          </a:prstGeom>
+          <a:noFill/>
+        </p:spPr>
+        <p:txBody>
+          <a:bodyPr wrap="square" rtlCol="0">
+            <a:spAutoFit/>
+          </a:bodyPr>
+          <a:lstStyle/>
+          <a:p>
+            <a:r>
+              <a:rPr kumimoji="1" lang="ja-JP" altLang="en-US" dirty="0" smtClean="0"/>
+              <a:t>クロスバリデーション</a:t>
+            </a:r>
+            <a:endParaRPr kumimoji="1" lang="ja-JP" altLang="en-US" dirty="0"/>
+          </a:p>
+        </p:txBody>
+      </p:sp>
+      <p:sp>
+        <p:nvSpPr>
+          <p:cNvPr id="11" name="テキスト ボックス 10"/>
+          <p:cNvSpPr txBox="1"/>
+          <p:nvPr/>
+        </p:nvSpPr>
+        <p:spPr>
+          <a:xfrm>
+            <a:off x="9141743" y="3244333"/>
+            <a:ext cx="2510340" cy="646331"/>
+          </a:xfrm>
+          <a:prstGeom prst="rect">
+            <a:avLst/>
+          </a:prstGeom>
+          <a:noFill/>
+        </p:spPr>
+        <p:txBody>
+          <a:bodyPr wrap="square" rtlCol="0">
+            <a:spAutoFit/>
+          </a:bodyPr>
+          <a:lstStyle/>
+          <a:p>
+            <a:r>
+              <a:rPr kumimoji="1" lang="ja-JP" altLang="en-US" dirty="0" smtClean="0"/>
+              <a:t>民族差が大きく影響している場合</a:t>
+            </a:r>
+            <a:endParaRPr kumimoji="1" lang="ja-JP" altLang="en-US" dirty="0"/>
+          </a:p>
+        </p:txBody>
+      </p:sp>
+      <p:sp>
+        <p:nvSpPr>
+          <p:cNvPr id="12" name="テキスト ボックス 11"/>
+          <p:cNvSpPr txBox="1"/>
+          <p:nvPr/>
+        </p:nvSpPr>
+        <p:spPr>
+          <a:xfrm>
+            <a:off x="9141743" y="5215860"/>
+            <a:ext cx="2510340" cy="646331"/>
+          </a:xfrm>
+          <a:prstGeom prst="rect">
+            <a:avLst/>
+          </a:prstGeom>
+          <a:noFill/>
+        </p:spPr>
+        <p:txBody>
+          <a:bodyPr wrap="square" rtlCol="0">
+            <a:spAutoFit/>
+          </a:bodyPr>
+          <a:lstStyle/>
+          <a:p>
+            <a:r>
+              <a:rPr kumimoji="1" lang="ja-JP" altLang="en-US" dirty="0" smtClean="0"/>
+              <a:t>民族的に比較的均質な場合</a:t>
+            </a:r>
+            <a:endParaRPr kumimoji="1" lang="ja-JP" altLang="en-US" dirty="0"/>
+          </a:p>
+        </p:txBody>
+      </p:sp>
     </p:spTree>
     <p:extLst>
       <p:ext uri="{BB962C8B-B14F-4D97-AF65-F5344CB8AC3E}">
@@ -7294,7 +7686,7 @@
         <p:spPr>
           <a:xfrm>
             <a:off x="326073" y="869880"/>
-            <a:ext cx="6365845" cy="2246769"/>
+            <a:ext cx="6006773" cy="2246769"/>
           </a:xfrm>
           <a:prstGeom prst="rect">
             <a:avLst/>
@@ -7341,7 +7733,11 @@
             </a:r>
             <a:r>
               <a:rPr lang="ja-JP" altLang="en-US" sz="2800" dirty="0" smtClean="0"/>
-              <a:t>にとする</a:t>
+              <a:t>と</a:t>
+            </a:r>
+            <a:r>
+              <a:rPr lang="ja-JP" altLang="en-US" sz="2800" dirty="0" smtClean="0"/>
+              <a:t>する</a:t>
             </a:r>
             <a:endParaRPr kumimoji="1" lang="ja-JP" altLang="en-US" sz="2800" dirty="0"/>
           </a:p>
@@ -7425,6 +7821,36 @@
           </a:prstGeom>
         </p:spPr>
       </p:pic>
+      <p:sp>
+        <p:nvSpPr>
+          <p:cNvPr id="6" name="テキスト ボックス 5"/>
+          <p:cNvSpPr txBox="1"/>
+          <p:nvPr/>
+        </p:nvSpPr>
+        <p:spPr>
+          <a:xfrm>
+            <a:off x="6991851" y="729733"/>
+            <a:ext cx="2437899" cy="923330"/>
+          </a:xfrm>
+          <a:prstGeom prst="rect">
+            <a:avLst/>
+          </a:prstGeom>
+          <a:noFill/>
+        </p:spPr>
+        <p:txBody>
+          <a:bodyPr wrap="square" rtlCol="0">
+            <a:spAutoFit/>
+          </a:bodyPr>
+          <a:lstStyle/>
+          <a:p>
+            <a:r>
+              <a:rPr kumimoji="1" lang="ja-JP" altLang="en-US" dirty="0" smtClean="0"/>
+              <a:t>左右非対称問題は、先行研究の手法で対処する</a:t>
+            </a:r>
+            <a:endParaRPr kumimoji="1" lang="ja-JP" altLang="en-US" dirty="0"/>
+          </a:p>
+        </p:txBody>
+      </p:sp>
     </p:spTree>
     <p:extLst>
       <p:ext uri="{BB962C8B-B14F-4D97-AF65-F5344CB8AC3E}">
@@ -7539,7 +7965,7 @@
         <p:spPr>
           <a:xfrm>
             <a:off x="288758" y="2791326"/>
-            <a:ext cx="4058653" cy="3970318"/>
+            <a:ext cx="4058653" cy="4524315"/>
           </a:xfrm>
           <a:prstGeom prst="rect">
             <a:avLst/>
@@ -7556,7 +7982,18 @@
           <a:p>
             <a:r>
               <a:rPr lang="ja-JP" altLang="en-US" dirty="0" smtClean="0"/>
-              <a:t>全ての顔貌について、回転・伸び縮みを入れて補正する</a:t>
+              <a:t>ランドマークをうまく対応づける幾何統計手法</a:t>
+            </a:r>
+            <a:endParaRPr lang="en-US" altLang="ja-JP" dirty="0" smtClean="0"/>
+          </a:p>
+          <a:p>
+            <a:r>
+              <a:rPr lang="ja-JP" altLang="en-US" dirty="0" smtClean="0"/>
+              <a:t>全て</a:t>
+            </a:r>
+            <a:r>
+              <a:rPr lang="ja-JP" altLang="en-US" dirty="0" smtClean="0"/>
+              <a:t>の顔貌について、回転・伸び縮みを入れて補正する</a:t>
             </a:r>
             <a:endParaRPr lang="en-US" altLang="ja-JP" dirty="0" smtClean="0"/>
           </a:p>
